--- a/27. Procedure.pptx
+++ b/27. Procedure.pptx
@@ -429,7 +429,7 @@
             <a:fld id="{14617971-7FFF-4153-9B0A-A6A160B9216D}" type="datetimeFigureOut">
               <a:rPr lang="en-US" smtClean="0"/>
               <a:pPr/>
-              <a:t>9/6/2017</a:t>
+              <a:t>9/27/2017</a:t>
             </a:fld>
             <a:endParaRPr lang="en-US"/>
           </a:p>
@@ -621,7 +621,7 @@
             <a:fld id="{14617971-7FFF-4153-9B0A-A6A160B9216D}" type="datetimeFigureOut">
               <a:rPr lang="en-US" smtClean="0"/>
               <a:pPr/>
-              <a:t>9/6/2017</a:t>
+              <a:t>9/27/2017</a:t>
             </a:fld>
             <a:endParaRPr lang="en-US"/>
           </a:p>
@@ -807,7 +807,7 @@
             <a:fld id="{14617971-7FFF-4153-9B0A-A6A160B9216D}" type="datetimeFigureOut">
               <a:rPr lang="en-US" smtClean="0"/>
               <a:pPr/>
-              <a:t>9/6/2017</a:t>
+              <a:t>9/27/2017</a:t>
             </a:fld>
             <a:endParaRPr lang="en-US"/>
           </a:p>
@@ -1071,7 +1071,7 @@
             <a:fld id="{14617971-7FFF-4153-9B0A-A6A160B9216D}" type="datetimeFigureOut">
               <a:rPr lang="en-US" smtClean="0"/>
               <a:pPr/>
-              <a:t>9/6/2017</a:t>
+              <a:t>9/27/2017</a:t>
             </a:fld>
             <a:endParaRPr lang="en-US"/>
           </a:p>
@@ -1488,7 +1488,7 @@
             <a:fld id="{14617971-7FFF-4153-9B0A-A6A160B9216D}" type="datetimeFigureOut">
               <a:rPr lang="en-US" smtClean="0"/>
               <a:pPr/>
-              <a:t>9/6/2017</a:t>
+              <a:t>9/27/2017</a:t>
             </a:fld>
             <a:endParaRPr lang="en-US"/>
           </a:p>
@@ -1731,7 +1731,7 @@
             <a:fld id="{14617971-7FFF-4153-9B0A-A6A160B9216D}" type="datetimeFigureOut">
               <a:rPr lang="en-US" smtClean="0"/>
               <a:pPr/>
-              <a:t>9/6/2017</a:t>
+              <a:t>9/27/2017</a:t>
             </a:fld>
             <a:endParaRPr lang="en-US"/>
           </a:p>
@@ -1968,7 +1968,7 @@
             <a:fld id="{14617971-7FFF-4153-9B0A-A6A160B9216D}" type="datetimeFigureOut">
               <a:rPr lang="en-US" smtClean="0"/>
               <a:pPr/>
-              <a:t>9/6/2017</a:t>
+              <a:t>9/27/2017</a:t>
             </a:fld>
             <a:endParaRPr lang="en-US"/>
           </a:p>
@@ -2164,7 +2164,7 @@
             <a:fld id="{14617971-7FFF-4153-9B0A-A6A160B9216D}" type="datetimeFigureOut">
               <a:rPr lang="en-US" smtClean="0"/>
               <a:pPr/>
-              <a:t>9/6/2017</a:t>
+              <a:t>9/27/2017</a:t>
             </a:fld>
             <a:endParaRPr lang="en-US"/>
           </a:p>
@@ -2264,7 +2264,7 @@
             <a:fld id="{14617971-7FFF-4153-9B0A-A6A160B9216D}" type="datetimeFigureOut">
               <a:rPr lang="en-US" smtClean="0"/>
               <a:pPr/>
-              <a:t>9/6/2017</a:t>
+              <a:t>9/27/2017</a:t>
             </a:fld>
             <a:endParaRPr lang="en-US"/>
           </a:p>
@@ -2401,7 +2401,7 @@
             <a:fld id="{14617971-7FFF-4153-9B0A-A6A160B9216D}" type="datetimeFigureOut">
               <a:rPr lang="en-US" smtClean="0"/>
               <a:pPr/>
-              <a:t>9/6/2017</a:t>
+              <a:t>9/27/2017</a:t>
             </a:fld>
             <a:endParaRPr lang="en-US"/>
           </a:p>
@@ -2920,7 +2920,7 @@
             <a:fld id="{14617971-7FFF-4153-9B0A-A6A160B9216D}" type="datetimeFigureOut">
               <a:rPr lang="en-US" smtClean="0"/>
               <a:pPr/>
-              <a:t>9/6/2017</a:t>
+              <a:t>9/27/2017</a:t>
             </a:fld>
             <a:endParaRPr lang="en-US"/>
           </a:p>
@@ -3186,7 +3186,7 @@
             <a:fld id="{14617971-7FFF-4153-9B0A-A6A160B9216D}" type="datetimeFigureOut">
               <a:rPr lang="en-US" smtClean="0"/>
               <a:pPr/>
-              <a:t>9/6/2017</a:t>
+              <a:t>9/27/2017</a:t>
             </a:fld>
             <a:endParaRPr lang="en-US"/>
           </a:p>
@@ -3743,6 +3743,10 @@
           </a:bodyPr>
           <a:lstStyle/>
           <a:p>
+            <a:r>
+              <a:rPr lang="en-US" sz="2800"/>
+              <a:t>PROCEDURE.</a:t>
+            </a:r>
             <a:endParaRPr lang="en-US" sz="2800" dirty="0"/>
           </a:p>
         </p:txBody>
